--- a/实验设计.pptx
+++ b/实验设计.pptx
@@ -5,7 +5,7 @@
     <p:sldMasterId id="2147483648" r:id="rId1"/>
   </p:sldMasterIdLst>
   <p:notesMasterIdLst>
-    <p:notesMasterId r:id="rId41"/>
+    <p:notesMasterId r:id="rId42"/>
   </p:notesMasterIdLst>
   <p:sldIdLst>
     <p:sldId id="258" r:id="rId2"/>
@@ -47,6 +47,7 @@
     <p:sldId id="284" r:id="rId38"/>
     <p:sldId id="290" r:id="rId39"/>
     <p:sldId id="292" r:id="rId40"/>
+    <p:sldId id="301" r:id="rId41"/>
   </p:sldIdLst>
   <p:sldSz cx="12192000" cy="6858000"/>
   <p:notesSz cx="6858000" cy="9144000"/>
@@ -235,7 +236,7 @@
           <a:p>
             <a:fld id="{F09E54F2-B770-415D-A054-FA483A881E15}" type="datetimeFigureOut">
               <a:rPr lang="zh-CN" altLang="en-US" smtClean="0"/>
-              <a:t>2020/12/9</a:t>
+              <a:t>2021/4/5</a:t>
             </a:fld>
             <a:endParaRPr lang="zh-CN" altLang="en-US"/>
           </a:p>
@@ -4750,6 +4751,133 @@
 </p:notes>
 </file>
 
+<file path=ppt/notesSlides/notesSlide37.xml><?xml version="1.0" encoding="utf-8"?>
+<p:notes xmlns:a="http://schemas.openxmlformats.org/drawingml/2006/main" xmlns:r="http://schemas.openxmlformats.org/officeDocument/2006/relationships" xmlns:p="http://schemas.openxmlformats.org/presentationml/2006/main">
+  <p:cSld>
+    <p:spTree>
+      <p:nvGrpSpPr>
+        <p:cNvPr id="1" name=""/>
+        <p:cNvGrpSpPr/>
+        <p:nvPr/>
+      </p:nvGrpSpPr>
+      <p:grpSpPr>
+        <a:xfrm>
+          <a:off x="0" y="0"/>
+          <a:ext cx="0" cy="0"/>
+          <a:chOff x="0" y="0"/>
+          <a:chExt cx="0" cy="0"/>
+        </a:xfrm>
+      </p:grpSpPr>
+      <p:sp>
+        <p:nvSpPr>
+          <p:cNvPr id="2" name="幻灯片图像占位符 1"/>
+          <p:cNvSpPr>
+            <a:spLocks noGrp="1" noRot="1" noChangeAspect="1"/>
+          </p:cNvSpPr>
+          <p:nvPr>
+            <p:ph type="sldImg"/>
+          </p:nvPr>
+        </p:nvSpPr>
+        <p:spPr/>
+      </p:sp>
+      <p:sp>
+        <p:nvSpPr>
+          <p:cNvPr id="3" name="备注占位符 2"/>
+          <p:cNvSpPr>
+            <a:spLocks noGrp="1"/>
+          </p:cNvSpPr>
+          <p:nvPr>
+            <p:ph type="body" idx="1"/>
+          </p:nvPr>
+        </p:nvSpPr>
+        <p:spPr/>
+        <p:txBody>
+          <a:bodyPr/>
+          <a:lstStyle/>
+          <a:p>
+            <a:r>
+              <a:rPr lang="zh-CN" altLang="en-US" sz="1200" b="0" i="0" u="none" strike="noStrike" baseline="0" dirty="0">
+                <a:latin typeface="Cambria Math" panose="02040503050406030204" pitchFamily="18" charset="0"/>
+              </a:rPr>
+              <a:t>𝞼：是帕累托分布的最小值</a:t>
+            </a:r>
+            <a:r>
+              <a:rPr lang="en-US" altLang="zh-CN" sz="1200" b="0" i="0" u="none" strike="noStrike" baseline="0" dirty="0">
+                <a:latin typeface="Cambria Math" panose="02040503050406030204" pitchFamily="18" charset="0"/>
+              </a:rPr>
+              <a:t>, </a:t>
+            </a:r>
+            <a:r>
+              <a:rPr lang="zh-CN" altLang="en-US" sz="1200" b="0" i="0" u="none" strike="noStrike" baseline="0" dirty="0">
+                <a:latin typeface="Cambria Math" panose="02040503050406030204" pitchFamily="18" charset="0"/>
+              </a:rPr>
+              <a:t>这里设置成</a:t>
+            </a:r>
+            <a:r>
+              <a:rPr lang="en-US" altLang="zh-CN" sz="1200" b="0" i="0" u="none" strike="noStrike" baseline="0" dirty="0">
+                <a:latin typeface="Cambria Math" panose="02040503050406030204" pitchFamily="18" charset="0"/>
+              </a:rPr>
+              <a:t>1</a:t>
+            </a:r>
+            <a:r>
+              <a:rPr lang="zh-CN" altLang="en-US" sz="1200" b="0" i="0" u="none" strike="noStrike" baseline="0" dirty="0">
+                <a:latin typeface="Cambria Math" panose="02040503050406030204" pitchFamily="18" charset="0"/>
+              </a:rPr>
+              <a:t>表示最小持续一个时间单位</a:t>
+            </a:r>
+            <a:endParaRPr lang="en-US" altLang="zh-CN" sz="1200" b="0" i="0" u="none" strike="noStrike" baseline="0" dirty="0">
+              <a:latin typeface="Cambria Math" panose="02040503050406030204" pitchFamily="18" charset="0"/>
+            </a:endParaRPr>
+          </a:p>
+          <a:p>
+            <a:r>
+              <a:rPr lang="zh-CN" altLang="en-US" dirty="0"/>
+              <a:t>变化</a:t>
+            </a:r>
+            <a:r>
+              <a:rPr lang="en-US" altLang="zh-CN" dirty="0" err="1"/>
+              <a:t>lamda</a:t>
+            </a:r>
+            <a:endParaRPr lang="en-US" altLang="zh-CN" dirty="0"/>
+          </a:p>
+        </p:txBody>
+      </p:sp>
+      <p:sp>
+        <p:nvSpPr>
+          <p:cNvPr id="4" name="灯片编号占位符 3"/>
+          <p:cNvSpPr>
+            <a:spLocks noGrp="1"/>
+          </p:cNvSpPr>
+          <p:nvPr>
+            <p:ph type="sldNum" sz="quarter" idx="5"/>
+          </p:nvPr>
+        </p:nvSpPr>
+        <p:spPr/>
+        <p:txBody>
+          <a:bodyPr/>
+          <a:lstStyle/>
+          <a:p>
+            <a:fld id="{A172D172-8AA4-475B-BCB5-5276CC7083DE}" type="slidenum">
+              <a:rPr lang="zh-CN" altLang="en-US" smtClean="0"/>
+              <a:t>40</a:t>
+            </a:fld>
+            <a:endParaRPr lang="zh-CN" altLang="en-US"/>
+          </a:p>
+        </p:txBody>
+      </p:sp>
+    </p:spTree>
+    <p:extLst>
+      <p:ext uri="{BB962C8B-B14F-4D97-AF65-F5344CB8AC3E}">
+        <p14:creationId xmlns:p14="http://schemas.microsoft.com/office/powerpoint/2010/main" val="2761334752"/>
+      </p:ext>
+    </p:extLst>
+  </p:cSld>
+  <p:clrMapOvr>
+    <a:masterClrMapping/>
+  </p:clrMapOvr>
+</p:notes>
+</file>
+
 <file path=ppt/notesSlides/notesSlide4.xml><?xml version="1.0" encoding="utf-8"?>
 <p:notes xmlns:a="http://schemas.openxmlformats.org/drawingml/2006/main" xmlns:r="http://schemas.openxmlformats.org/officeDocument/2006/relationships" xmlns:p="http://schemas.openxmlformats.org/presentationml/2006/main">
   <p:cSld>
@@ -5485,7 +5613,7 @@
           <a:p>
             <a:fld id="{470DD02D-497E-4D70-9554-C2C5C57417C1}" type="datetimeFigureOut">
               <a:rPr lang="zh-CN" altLang="en-US" smtClean="0"/>
-              <a:t>2020/12/9</a:t>
+              <a:t>2021/4/5</a:t>
             </a:fld>
             <a:endParaRPr lang="zh-CN" altLang="en-US"/>
           </a:p>
@@ -5683,7 +5811,7 @@
           <a:p>
             <a:fld id="{470DD02D-497E-4D70-9554-C2C5C57417C1}" type="datetimeFigureOut">
               <a:rPr lang="zh-CN" altLang="en-US" smtClean="0"/>
-              <a:t>2020/12/9</a:t>
+              <a:t>2021/4/5</a:t>
             </a:fld>
             <a:endParaRPr lang="zh-CN" altLang="en-US"/>
           </a:p>
@@ -5891,7 +6019,7 @@
           <a:p>
             <a:fld id="{470DD02D-497E-4D70-9554-C2C5C57417C1}" type="datetimeFigureOut">
               <a:rPr lang="zh-CN" altLang="en-US" smtClean="0"/>
-              <a:t>2020/12/9</a:t>
+              <a:t>2021/4/5</a:t>
             </a:fld>
             <a:endParaRPr lang="zh-CN" altLang="en-US"/>
           </a:p>
@@ -6089,7 +6217,7 @@
           <a:p>
             <a:fld id="{470DD02D-497E-4D70-9554-C2C5C57417C1}" type="datetimeFigureOut">
               <a:rPr lang="zh-CN" altLang="en-US" smtClean="0"/>
-              <a:t>2020/12/9</a:t>
+              <a:t>2021/4/5</a:t>
             </a:fld>
             <a:endParaRPr lang="zh-CN" altLang="en-US"/>
           </a:p>
@@ -6364,7 +6492,7 @@
           <a:p>
             <a:fld id="{470DD02D-497E-4D70-9554-C2C5C57417C1}" type="datetimeFigureOut">
               <a:rPr lang="zh-CN" altLang="en-US" smtClean="0"/>
-              <a:t>2020/12/9</a:t>
+              <a:t>2021/4/5</a:t>
             </a:fld>
             <a:endParaRPr lang="zh-CN" altLang="en-US"/>
           </a:p>
@@ -6629,7 +6757,7 @@
           <a:p>
             <a:fld id="{470DD02D-497E-4D70-9554-C2C5C57417C1}" type="datetimeFigureOut">
               <a:rPr lang="zh-CN" altLang="en-US" smtClean="0"/>
-              <a:t>2020/12/9</a:t>
+              <a:t>2021/4/5</a:t>
             </a:fld>
             <a:endParaRPr lang="zh-CN" altLang="en-US"/>
           </a:p>
@@ -7041,7 +7169,7 @@
           <a:p>
             <a:fld id="{470DD02D-497E-4D70-9554-C2C5C57417C1}" type="datetimeFigureOut">
               <a:rPr lang="zh-CN" altLang="en-US" smtClean="0"/>
-              <a:t>2020/12/9</a:t>
+              <a:t>2021/4/5</a:t>
             </a:fld>
             <a:endParaRPr lang="zh-CN" altLang="en-US"/>
           </a:p>
@@ -7182,7 +7310,7 @@
           <a:p>
             <a:fld id="{470DD02D-497E-4D70-9554-C2C5C57417C1}" type="datetimeFigureOut">
               <a:rPr lang="zh-CN" altLang="en-US" smtClean="0"/>
-              <a:t>2020/12/9</a:t>
+              <a:t>2021/4/5</a:t>
             </a:fld>
             <a:endParaRPr lang="zh-CN" altLang="en-US"/>
           </a:p>
@@ -7295,7 +7423,7 @@
           <a:p>
             <a:fld id="{470DD02D-497E-4D70-9554-C2C5C57417C1}" type="datetimeFigureOut">
               <a:rPr lang="zh-CN" altLang="en-US" smtClean="0"/>
-              <a:t>2020/12/9</a:t>
+              <a:t>2021/4/5</a:t>
             </a:fld>
             <a:endParaRPr lang="zh-CN" altLang="en-US"/>
           </a:p>
@@ -7606,7 +7734,7 @@
           <a:p>
             <a:fld id="{470DD02D-497E-4D70-9554-C2C5C57417C1}" type="datetimeFigureOut">
               <a:rPr lang="zh-CN" altLang="en-US" smtClean="0"/>
-              <a:t>2020/12/9</a:t>
+              <a:t>2021/4/5</a:t>
             </a:fld>
             <a:endParaRPr lang="zh-CN" altLang="en-US"/>
           </a:p>
@@ -7894,7 +8022,7 @@
           <a:p>
             <a:fld id="{470DD02D-497E-4D70-9554-C2C5C57417C1}" type="datetimeFigureOut">
               <a:rPr lang="zh-CN" altLang="en-US" smtClean="0"/>
-              <a:t>2020/12/9</a:t>
+              <a:t>2021/4/5</a:t>
             </a:fld>
             <a:endParaRPr lang="zh-CN" altLang="en-US"/>
           </a:p>
@@ -8135,7 +8263,7 @@
           <a:p>
             <a:fld id="{470DD02D-497E-4D70-9554-C2C5C57417C1}" type="datetimeFigureOut">
               <a:rPr lang="zh-CN" altLang="en-US" smtClean="0"/>
-              <a:t>2020/12/9</a:t>
+              <a:t>2021/4/5</a:t>
             </a:fld>
             <a:endParaRPr lang="zh-CN" altLang="en-US"/>
           </a:p>
@@ -11616,8 +11744,8 @@
         </p:blipFill>
         <p:spPr>
           <a:xfrm>
-            <a:off x="1085123" y="1023478"/>
-            <a:ext cx="5687368" cy="5650640"/>
+            <a:off x="704123" y="832978"/>
+            <a:ext cx="5934802" cy="5896476"/>
           </a:xfrm>
           <a:prstGeom prst="rect">
             <a:avLst/>
@@ -11720,6 +11848,144 @@
               <a:t>都会加倍</a:t>
             </a:r>
             <a:endParaRPr lang="en-US" altLang="zh-CN" sz="1400" b="1" dirty="0"/>
+          </a:p>
+          <a:p>
+            <a:endParaRPr lang="en-US" altLang="zh-CN" sz="1400" b="1" dirty="0"/>
+          </a:p>
+        </p:txBody>
+      </p:sp>
+      <p:sp>
+        <p:nvSpPr>
+          <p:cNvPr id="5" name="文本框 4">
+            <a:extLst>
+              <a:ext uri="{FF2B5EF4-FFF2-40B4-BE49-F238E27FC236}">
+                <a16:creationId xmlns:a16="http://schemas.microsoft.com/office/drawing/2014/main" id="{51E6E1CD-6848-496B-8EA0-58B3AEF45EBD}"/>
+              </a:ext>
+            </a:extLst>
+          </p:cNvPr>
+          <p:cNvSpPr txBox="1"/>
+          <p:nvPr/>
+        </p:nvSpPr>
+        <p:spPr>
+          <a:xfrm>
+            <a:off x="7019769" y="3134329"/>
+            <a:ext cx="4468108" cy="2246769"/>
+          </a:xfrm>
+          <a:prstGeom prst="rect">
+            <a:avLst/>
+          </a:prstGeom>
+          <a:noFill/>
+        </p:spPr>
+        <p:txBody>
+          <a:bodyPr wrap="square" rtlCol="0">
+            <a:spAutoFit/>
+          </a:bodyPr>
+          <a:lstStyle/>
+          <a:p>
+            <a:r>
+              <a:rPr lang="en-US" altLang="zh-CN" sz="1400" b="1" dirty="0"/>
+              <a:t>R</a:t>
+            </a:r>
+            <a:r>
+              <a:rPr lang="zh-CN" altLang="en-US" sz="1400" b="1" dirty="0"/>
+              <a:t>是</a:t>
+            </a:r>
+            <a:r>
+              <a:rPr lang="en-US" altLang="zh-CN" sz="1400" b="1" dirty="0"/>
+              <a:t>RTT</a:t>
+            </a:r>
+            <a:r>
+              <a:rPr lang="zh-CN" altLang="en-US" sz="1400" b="1" dirty="0"/>
+              <a:t>的测量值，在第一个</a:t>
+            </a:r>
+            <a:r>
+              <a:rPr lang="en-US" altLang="zh-CN" sz="1400" b="1" dirty="0"/>
+              <a:t>RTT</a:t>
+            </a:r>
+            <a:r>
+              <a:rPr lang="zh-CN" altLang="en-US" sz="1400" b="1" dirty="0"/>
+              <a:t>测量之前 </a:t>
+            </a:r>
+            <a:r>
+              <a:rPr lang="en-US" altLang="zh-CN" sz="1400" b="1" dirty="0"/>
+              <a:t>RTO=1</a:t>
+            </a:r>
+          </a:p>
+          <a:p>
+            <a:r>
+              <a:rPr lang="zh-CN" altLang="en-US" sz="1400" b="1" dirty="0"/>
+              <a:t>在获得</a:t>
+            </a:r>
+            <a:r>
+              <a:rPr lang="en-US" altLang="zh-CN" sz="1400" b="1" dirty="0"/>
+              <a:t>RTT</a:t>
+            </a:r>
+            <a:r>
+              <a:rPr lang="zh-CN" altLang="en-US" sz="1400" b="1" dirty="0"/>
+              <a:t>的测量值之后</a:t>
+            </a:r>
+            <a:r>
+              <a:rPr lang="en-US" altLang="zh-CN" sz="1400" b="1" dirty="0"/>
+              <a:t>:</a:t>
+            </a:r>
+          </a:p>
+          <a:p>
+            <a:r>
+              <a:rPr lang="en-US" altLang="zh-CN" sz="1400" b="1" dirty="0"/>
+              <a:t>SRTT = R</a:t>
+            </a:r>
+          </a:p>
+          <a:p>
+            <a:r>
+              <a:rPr lang="en-US" altLang="zh-CN" sz="1400" b="1" dirty="0"/>
+              <a:t>RTTVAL = R/2</a:t>
+            </a:r>
+          </a:p>
+          <a:p>
+            <a:r>
+              <a:rPr lang="en-US" altLang="zh-CN" sz="1400" b="1" dirty="0"/>
+              <a:t>RTO = SRTT + max(G, K*RTTVAL)</a:t>
+            </a:r>
+          </a:p>
+          <a:p>
+            <a:r>
+              <a:rPr lang="en-US" altLang="zh-CN" sz="1400" b="1" dirty="0"/>
+              <a:t>K = 4</a:t>
+            </a:r>
+          </a:p>
+          <a:p>
+            <a:r>
+              <a:rPr lang="en-US" altLang="zh-CN" sz="1400" b="1" dirty="0"/>
+              <a:t>SRTT = (1-alpha)*</a:t>
+            </a:r>
+            <a:r>
+              <a:rPr lang="en-US" altLang="zh-CN" sz="1400" b="1" dirty="0" err="1"/>
+              <a:t>SRTT+alpha</a:t>
+            </a:r>
+            <a:r>
+              <a:rPr lang="en-US" altLang="zh-CN" sz="1400" b="1" dirty="0"/>
+              <a:t>*RTT</a:t>
+            </a:r>
+          </a:p>
+          <a:p>
+            <a:r>
+              <a:rPr lang="en-US" altLang="zh-CN" sz="1400" b="1" dirty="0"/>
+              <a:t>Alpha</a:t>
+            </a:r>
+            <a:r>
+              <a:rPr lang="zh-CN" altLang="en-US" sz="1400" b="1" dirty="0"/>
+              <a:t>的建议值是</a:t>
+            </a:r>
+            <a:r>
+              <a:rPr lang="en-US" altLang="zh-CN" sz="1400" b="1" dirty="0"/>
+              <a:t>0.125</a:t>
+            </a:r>
+          </a:p>
+          <a:p>
+            <a:r>
+              <a:rPr lang="en-US" altLang="zh-CN" sz="1400" b="1" dirty="0"/>
+              <a:t>SRTT = 0.875*SRTT+0.125*RTT</a:t>
+            </a:r>
           </a:p>
           <a:p>
             <a:endParaRPr lang="en-US" altLang="zh-CN" sz="1400" b="1" dirty="0"/>
@@ -23134,8 +23400,8 @@
         </p:blipFill>
         <p:spPr>
           <a:xfrm>
-            <a:off x="2731477" y="1574039"/>
-            <a:ext cx="5814646" cy="2168769"/>
+            <a:off x="2731477" y="1574040"/>
+            <a:ext cx="5193323" cy="1937026"/>
           </a:xfrm>
           <a:prstGeom prst="rect">
             <a:avLst/>
@@ -24910,6 +25176,498 @@
     <p:extLst>
       <p:ext uri="{BB962C8B-B14F-4D97-AF65-F5344CB8AC3E}">
         <p14:creationId xmlns:p14="http://schemas.microsoft.com/office/powerpoint/2010/main" val="3395847485"/>
+      </p:ext>
+    </p:extLst>
+  </p:cSld>
+  <p:clrMapOvr>
+    <a:masterClrMapping/>
+  </p:clrMapOvr>
+</p:sld>
+</file>
+
+<file path=ppt/slides/slide40.xml><?xml version="1.0" encoding="utf-8"?>
+<p:sld xmlns:a="http://schemas.openxmlformats.org/drawingml/2006/main" xmlns:r="http://schemas.openxmlformats.org/officeDocument/2006/relationships" xmlns:p="http://schemas.openxmlformats.org/presentationml/2006/main">
+  <p:cSld>
+    <p:spTree>
+      <p:nvGrpSpPr>
+        <p:cNvPr id="1" name=""/>
+        <p:cNvGrpSpPr/>
+        <p:nvPr/>
+      </p:nvGrpSpPr>
+      <p:grpSpPr>
+        <a:xfrm>
+          <a:off x="0" y="0"/>
+          <a:ext cx="0" cy="0"/>
+          <a:chOff x="0" y="0"/>
+          <a:chExt cx="0" cy="0"/>
+        </a:xfrm>
+      </p:grpSpPr>
+      <p:sp>
+        <p:nvSpPr>
+          <p:cNvPr id="2" name="文本框 1">
+            <a:extLst>
+              <a:ext uri="{FF2B5EF4-FFF2-40B4-BE49-F238E27FC236}">
+                <a16:creationId xmlns:a16="http://schemas.microsoft.com/office/drawing/2014/main" id="{4DB23B1F-75AF-4193-9446-EFB25468E817}"/>
+              </a:ext>
+            </a:extLst>
+          </p:cNvPr>
+          <p:cNvSpPr txBox="1"/>
+          <p:nvPr/>
+        </p:nvSpPr>
+        <p:spPr>
+          <a:xfrm>
+            <a:off x="963827" y="481914"/>
+            <a:ext cx="3039762" cy="461665"/>
+          </a:xfrm>
+          <a:prstGeom prst="rect">
+            <a:avLst/>
+          </a:prstGeom>
+          <a:noFill/>
+        </p:spPr>
+        <p:txBody>
+          <a:bodyPr wrap="square" rtlCol="0">
+            <a:spAutoFit/>
+          </a:bodyPr>
+          <a:lstStyle/>
+          <a:p>
+            <a:r>
+              <a:rPr lang="zh-CN" altLang="en-US" sz="2400" b="1" dirty="0"/>
+              <a:t>流量模型</a:t>
+            </a:r>
+          </a:p>
+        </p:txBody>
+      </p:sp>
+      <mc:AlternateContent xmlns:mc="http://schemas.openxmlformats.org/markup-compatibility/2006">
+        <mc:Choice xmlns:a14="http://schemas.microsoft.com/office/drawing/2010/main" Requires="a14">
+          <p:sp>
+            <p:nvSpPr>
+              <p:cNvPr id="23" name="文本框 22">
+                <a:extLst>
+                  <a:ext uri="{FF2B5EF4-FFF2-40B4-BE49-F238E27FC236}">
+                    <a16:creationId xmlns:a16="http://schemas.microsoft.com/office/drawing/2014/main" id="{86CF6615-8AA8-4451-A63C-3908838E8828}"/>
+                  </a:ext>
+                </a:extLst>
+              </p:cNvPr>
+              <p:cNvSpPr txBox="1"/>
+              <p:nvPr/>
+            </p:nvSpPr>
+            <p:spPr>
+              <a:xfrm>
+                <a:off x="956103" y="1101372"/>
+                <a:ext cx="10826321" cy="4154984"/>
+              </a:xfrm>
+              <a:prstGeom prst="rect">
+                <a:avLst/>
+              </a:prstGeom>
+              <a:noFill/>
+            </p:spPr>
+            <p:txBody>
+              <a:bodyPr wrap="square">
+                <a:spAutoFit/>
+              </a:bodyPr>
+              <a:lstStyle/>
+              <a:p>
+                <a:pPr algn="l"/>
+                <a:r>
+                  <a:rPr lang="en-US" altLang="zh-CN" sz="2400" b="0" i="0" u="none" strike="noStrike" baseline="0" dirty="0">
+                    <a:latin typeface="Times-Roman"/>
+                  </a:rPr>
+                  <a:t>The PPBP has five parameters: </a:t>
+                </a:r>
+              </a:p>
+              <a:p>
+                <a:pPr algn="l"/>
+                <a:r>
+                  <a:rPr lang="en-US" altLang="zh-CN" sz="2400" b="0" i="0" u="none" strike="noStrike" baseline="0" dirty="0">
+                    <a:latin typeface="Times-Roman"/>
+                  </a:rPr>
+                  <a:t>“</a:t>
+                </a:r>
+                <a:r>
+                  <a:rPr lang="en-US" altLang="zh-CN" sz="2400" b="0" i="0" u="none" strike="noStrike" baseline="0" dirty="0" err="1">
+                    <a:latin typeface="Times-Roman"/>
+                  </a:rPr>
+                  <a:t>BurstIntensity</a:t>
+                </a:r>
+                <a:r>
+                  <a:rPr lang="en-US" altLang="zh-CN" sz="2400" b="0" i="0" u="none" strike="noStrike" baseline="0" dirty="0">
+                    <a:latin typeface="Times-Roman"/>
+                  </a:rPr>
+                  <a:t>”, “The data rate of each burst</a:t>
+                </a:r>
+                <a:r>
+                  <a:rPr lang="zh-CN" altLang="en-US" sz="2400" b="0" i="0" u="none" strike="noStrike" baseline="0" dirty="0">
+                    <a:latin typeface="Times-Roman"/>
+                  </a:rPr>
+                  <a:t>：</a:t>
+                </a:r>
+                <a:r>
+                  <a:rPr lang="en-US" altLang="zh-CN" sz="2400" b="0" i="0" u="none" strike="noStrike" baseline="0" dirty="0">
+                    <a:latin typeface="Times-Roman"/>
+                  </a:rPr>
+                  <a:t>1Mb/s 1.25Mb/s</a:t>
+                </a:r>
+              </a:p>
+              <a:p>
+                <a:pPr algn="l"/>
+                <a:r>
+                  <a:rPr lang="en-US" altLang="zh-CN" sz="2400" b="0" i="0" u="none" strike="noStrike" baseline="0" dirty="0">
+                    <a:latin typeface="Times-Roman"/>
+                  </a:rPr>
+                  <a:t>“</a:t>
+                </a:r>
+                <a:r>
+                  <a:rPr lang="en-US" altLang="zh-CN" sz="2400" b="0" i="0" u="none" strike="noStrike" baseline="0" dirty="0" err="1">
+                    <a:latin typeface="Times-Roman"/>
+                  </a:rPr>
+                  <a:t>MeanBurstTimeLength</a:t>
+                </a:r>
+                <a:r>
+                  <a:rPr lang="en-US" altLang="zh-CN" sz="2400" b="0" i="0" u="none" strike="noStrike" baseline="0" dirty="0">
+                    <a:latin typeface="Times-Roman"/>
+                  </a:rPr>
+                  <a:t>", "Pareto distributed burst durations",</a:t>
+                </a:r>
+                <a:r>
+                  <a:rPr lang="en-US" altLang="zh-CN" sz="2400" b="0" i="0" u="none" strike="noStrike" baseline="0" dirty="0" err="1">
+                    <a:latin typeface="Times-Roman"/>
+                  </a:rPr>
+                  <a:t>DoubleValue</a:t>
+                </a:r>
+                <a:r>
+                  <a:rPr lang="en-US" altLang="zh-CN" sz="2400" b="0" i="0" u="none" strike="noStrike" baseline="0" dirty="0">
+                    <a:latin typeface="Times-Roman"/>
+                  </a:rPr>
+                  <a:t> (0.05)  </a:t>
+                </a:r>
+                <a:r>
+                  <a:rPr lang="en-US" altLang="zh-CN" sz="2400" b="0" i="0" u="none" strike="noStrike" baseline="0" dirty="0">
+                    <a:solidFill>
+                      <a:srgbClr val="FF0000"/>
+                    </a:solidFill>
+                    <a:latin typeface="Times-Roman"/>
+                  </a:rPr>
+                  <a:t>delta</a:t>
+                </a:r>
+              </a:p>
+              <a:p>
+                <a:pPr algn="l"/>
+                <a:r>
+                  <a:rPr lang="en-US" altLang="zh-CN" sz="2400" b="0" i="0" u="none" strike="noStrike" baseline="0" dirty="0">
+                    <a:latin typeface="Times-Roman"/>
+                  </a:rPr>
+                  <a:t>"H", "Hurst parameter",</a:t>
+                </a:r>
+                <a:r>
+                  <a:rPr lang="en-US" altLang="zh-CN" sz="2400" b="0" i="0" u="none" strike="noStrike" baseline="0" dirty="0" err="1">
+                    <a:latin typeface="Times-Roman"/>
+                  </a:rPr>
+                  <a:t>DoubleValue</a:t>
+                </a:r>
+                <a:r>
+                  <a:rPr lang="en-US" altLang="zh-CN" sz="2400" b="0" i="0" u="none" strike="noStrike" baseline="0" dirty="0">
+                    <a:latin typeface="Times-Roman"/>
+                  </a:rPr>
+                  <a:t> (0.7) -&gt; y(</a:t>
+                </a:r>
+                <a:r>
+                  <a:rPr lang="en-US" altLang="zh-CN" sz="2400" b="0" i="0" u="none" strike="noStrike" baseline="0" dirty="0" err="1">
+                    <a:latin typeface="Times-Roman"/>
+                  </a:rPr>
+                  <a:t>m_shape</a:t>
+                </a:r>
+                <a:r>
+                  <a:rPr lang="en-US" altLang="zh-CN" sz="2400" b="0" i="0" u="none" strike="noStrike" baseline="0" dirty="0">
+                    <a:latin typeface="Times-Roman"/>
+                  </a:rPr>
+                  <a:t>): 1.6</a:t>
+                </a:r>
+              </a:p>
+              <a:p>
+                <a:pPr algn="l"/>
+                <a:r>
+                  <a:rPr lang="en-US" altLang="zh-CN" sz="2400" b="0" i="0" u="none" strike="noStrike" baseline="0" dirty="0" err="1">
+                    <a:latin typeface="Times-Roman"/>
+                  </a:rPr>
+                  <a:t>MeanBurstArrivals</a:t>
+                </a:r>
+                <a:r>
+                  <a:rPr lang="en-US" altLang="zh-CN" sz="2400" b="0" i="0" u="none" strike="noStrike" baseline="0" dirty="0">
+                    <a:latin typeface="Times-Roman"/>
+                  </a:rPr>
+                  <a:t>“, ”Mean Active Sources“,</a:t>
+                </a:r>
+                <a:r>
+                  <a:rPr lang="en-US" altLang="zh-CN" sz="2400" b="0" i="0" u="none" strike="noStrike" baseline="0" dirty="0" err="1">
+                    <a:latin typeface="Times-Roman"/>
+                  </a:rPr>
+                  <a:t>DoubleValue</a:t>
+                </a:r>
+                <a:r>
+                  <a:rPr lang="en-US" altLang="zh-CN" sz="2400" b="0" i="0" u="none" strike="noStrike" baseline="0" dirty="0">
+                    <a:latin typeface="Times-Roman"/>
+                  </a:rPr>
+                  <a:t> (5.0)  10</a:t>
+                </a:r>
+              </a:p>
+              <a:p>
+                <a:pPr algn="l"/>
+                <a:r>
+                  <a:rPr lang="en-US" altLang="zh-CN" sz="2400" b="0" i="0" u="none" strike="noStrike" baseline="0" dirty="0">
+                    <a:latin typeface="Times-Roman"/>
+                  </a:rPr>
+                  <a:t>the Poisson arrival rate,</a:t>
+                </a:r>
+                <a:r>
+                  <a:rPr lang="en-US" altLang="zh-CN" sz="2400" b="1" dirty="0">
+                    <a:latin typeface="Cambria Math" panose="02040503050406030204" pitchFamily="18" charset="0"/>
+                    <a:ea typeface="Cambria Math" panose="02040503050406030204" pitchFamily="18" charset="0"/>
+                  </a:rPr>
+                  <a:t> 𝞴</a:t>
+                </a:r>
+                <a:r>
+                  <a:rPr lang="en-US" altLang="zh-CN" sz="2400" b="0" i="0" u="none" strike="noStrike" baseline="0" dirty="0">
+                    <a:latin typeface="Times-Roman"/>
+                  </a:rPr>
+                  <a:t>; </a:t>
+                </a:r>
+              </a:p>
+              <a:p>
+                <a:pPr algn="l"/>
+                <a:r>
+                  <a:rPr lang="en-US" altLang="zh-CN" sz="2400" b="0" i="0" u="none" strike="noStrike" baseline="0" dirty="0">
+                    <a:latin typeface="Times-Roman"/>
+                  </a:rPr>
+                  <a:t>the arrival rate of work within a session, </a:t>
+                </a:r>
+                <a:r>
+                  <a:rPr lang="en-US" altLang="zh-CN" sz="2400" b="0" i="1" u="none" strike="noStrike" baseline="0" dirty="0">
+                    <a:latin typeface="Times-Italic"/>
+                  </a:rPr>
+                  <a:t>r</a:t>
+                </a:r>
+                <a:r>
+                  <a:rPr lang="en-US" altLang="zh-CN" sz="2400" b="0" i="0" u="none" strike="noStrike" baseline="0" dirty="0">
+                    <a:latin typeface="Times-Roman"/>
+                  </a:rPr>
+                  <a:t>; </a:t>
+                </a:r>
+              </a:p>
+              <a:p>
+                <a:pPr algn="l"/>
+                <a:r>
+                  <a:rPr lang="en-US" altLang="zh-CN" sz="2400" b="0" i="0" u="none" strike="noStrike" baseline="0" dirty="0">
+                    <a:latin typeface="Times-Roman"/>
+                  </a:rPr>
+                  <a:t>the starting point of the Pareto tail,</a:t>
+                </a:r>
+                <a14:m>
+                  <m:oMath xmlns:m="http://schemas.openxmlformats.org/officeDocument/2006/math">
+                    <m:r>
+                      <a:rPr lang="zh-CN" altLang="en-US" sz="2400" b="0" i="1" u="none" strike="noStrike" baseline="0" smtClean="0">
+                        <a:latin typeface="Cambria Math" panose="02040503050406030204" pitchFamily="18" charset="0"/>
+                      </a:rPr>
+                      <m:t>𝛿</m:t>
+                    </m:r>
+                  </m:oMath>
+                </a14:m>
+                <a:r>
+                  <a:rPr lang="en-US" altLang="zh-CN" sz="2400" b="0" i="0" u="none" strike="noStrike" baseline="0" dirty="0">
+                    <a:latin typeface="Times-Roman"/>
+                  </a:rPr>
+                  <a:t>; (the minimum allowable burst length)</a:t>
+                </a:r>
+              </a:p>
+              <a:p>
+                <a:pPr algn="l"/>
+                <a:r>
+                  <a:rPr lang="en-US" altLang="zh-CN" sz="2400" b="0" i="0" u="none" strike="noStrike" baseline="0" dirty="0">
+                    <a:latin typeface="Times-Roman"/>
+                  </a:rPr>
+                  <a:t>the rate of decay of the Pareto tail,</a:t>
+                </a:r>
+                <a14:m>
+                  <m:oMath xmlns:m="http://schemas.openxmlformats.org/officeDocument/2006/math">
+                    <m:r>
+                      <a:rPr lang="zh-CN" altLang="en-US" sz="2400" b="1" i="1" smtClean="0">
+                        <a:latin typeface="Cambria Math" panose="02040503050406030204" pitchFamily="18" charset="0"/>
+                      </a:rPr>
+                      <m:t>𝞬</m:t>
+                    </m:r>
+                  </m:oMath>
+                </a14:m>
+                <a:r>
+                  <a:rPr lang="en-US" altLang="zh-CN" sz="2400" b="0" i="0" u="none" strike="noStrike" baseline="0" dirty="0">
+                    <a:latin typeface="Times-Roman"/>
+                  </a:rPr>
+                  <a:t>; </a:t>
+                </a:r>
+              </a:p>
+              <a:p>
+                <a:pPr algn="l"/>
+                <a:r>
+                  <a:rPr lang="en-US" altLang="zh-CN" sz="2400" b="0" i="0" u="none" strike="noStrike" baseline="0" dirty="0">
+                    <a:latin typeface="Times-Roman"/>
+                  </a:rPr>
+                  <a:t>the rate of the CBR component, </a:t>
+                </a:r>
+                <a:r>
+                  <a:rPr lang="en-US" altLang="zh-CN" sz="2400" dirty="0">
+                    <a:latin typeface="Symbol" panose="05050102010706020507" pitchFamily="18" charset="2"/>
+                    <a:ea typeface="Cambria Math" panose="02040503050406030204" pitchFamily="18" charset="0"/>
+                  </a:rPr>
+                  <a:t>𝞳</a:t>
+                </a:r>
+                <a:r>
+                  <a:rPr lang="en-US" altLang="zh-CN" sz="2400" b="0" i="0" u="none" strike="noStrike" baseline="0" dirty="0">
+                    <a:latin typeface="Times-Roman"/>
+                  </a:rPr>
+                  <a:t>.</a:t>
+                </a:r>
+                <a:endParaRPr lang="zh-CN" altLang="en-US" sz="2400" dirty="0"/>
+              </a:p>
+            </p:txBody>
+          </p:sp>
+        </mc:Choice>
+        <mc:Fallback>
+          <p:sp>
+            <p:nvSpPr>
+              <p:cNvPr id="23" name="文本框 22">
+                <a:extLst>
+                  <a:ext uri="{FF2B5EF4-FFF2-40B4-BE49-F238E27FC236}">
+                    <a16:creationId xmlns:a16="http://schemas.microsoft.com/office/drawing/2014/main" id="{86CF6615-8AA8-4451-A63C-3908838E8828}"/>
+                  </a:ext>
+                </a:extLst>
+              </p:cNvPr>
+              <p:cNvSpPr txBox="1">
+                <a:spLocks noRot="1" noChangeAspect="1" noMove="1" noResize="1" noEditPoints="1" noAdjustHandles="1" noChangeArrowheads="1" noChangeShapeType="1" noTextEdit="1"/>
+              </p:cNvSpPr>
+              <p:nvPr/>
+            </p:nvSpPr>
+            <p:spPr>
+              <a:xfrm>
+                <a:off x="956103" y="1101372"/>
+                <a:ext cx="10826321" cy="4154984"/>
+              </a:xfrm>
+              <a:prstGeom prst="rect">
+                <a:avLst/>
+              </a:prstGeom>
+              <a:blipFill>
+                <a:blip r:embed="rId3"/>
+                <a:stretch>
+                  <a:fillRect l="-901" t="-1175" b="-2349"/>
+                </a:stretch>
+              </a:blipFill>
+            </p:spPr>
+            <p:txBody>
+              <a:bodyPr/>
+              <a:lstStyle/>
+              <a:p>
+                <a:r>
+                  <a:rPr lang="zh-CN" altLang="en-US">
+                    <a:noFill/>
+                  </a:rPr>
+                  <a:t> </a:t>
+                </a:r>
+              </a:p>
+            </p:txBody>
+          </p:sp>
+        </mc:Fallback>
+      </mc:AlternateContent>
+      <p:pic>
+        <p:nvPicPr>
+          <p:cNvPr id="10" name="图片 9">
+            <a:extLst>
+              <a:ext uri="{FF2B5EF4-FFF2-40B4-BE49-F238E27FC236}">
+                <a16:creationId xmlns:a16="http://schemas.microsoft.com/office/drawing/2014/main" id="{6668CF00-2F96-47A4-A8D9-57BAC8C7AD13}"/>
+              </a:ext>
+            </a:extLst>
+          </p:cNvPr>
+          <p:cNvPicPr>
+            <a:picLocks noChangeAspect="1"/>
+          </p:cNvPicPr>
+          <p:nvPr/>
+        </p:nvPicPr>
+        <p:blipFill>
+          <a:blip r:embed="rId4"/>
+          <a:stretch>
+            <a:fillRect/>
+          </a:stretch>
+        </p:blipFill>
+        <p:spPr>
+          <a:xfrm>
+            <a:off x="1834199" y="5414150"/>
+            <a:ext cx="1299017" cy="866011"/>
+          </a:xfrm>
+          <a:prstGeom prst="rect">
+            <a:avLst/>
+          </a:prstGeom>
+        </p:spPr>
+      </p:pic>
+      <p:pic>
+        <p:nvPicPr>
+          <p:cNvPr id="6" name="图片 5">
+            <a:extLst>
+              <a:ext uri="{FF2B5EF4-FFF2-40B4-BE49-F238E27FC236}">
+                <a16:creationId xmlns:a16="http://schemas.microsoft.com/office/drawing/2014/main" id="{5FBEC0DC-7D11-4195-8743-696D371CFC8C}"/>
+              </a:ext>
+            </a:extLst>
+          </p:cNvPr>
+          <p:cNvPicPr>
+            <a:picLocks noChangeAspect="1"/>
+          </p:cNvPicPr>
+          <p:nvPr/>
+        </p:nvPicPr>
+        <p:blipFill>
+          <a:blip r:embed="rId5"/>
+          <a:stretch>
+            <a:fillRect/>
+          </a:stretch>
+        </p:blipFill>
+        <p:spPr>
+          <a:xfrm>
+            <a:off x="3498764" y="5323622"/>
+            <a:ext cx="2019226" cy="837910"/>
+          </a:xfrm>
+          <a:prstGeom prst="rect">
+            <a:avLst/>
+          </a:prstGeom>
+        </p:spPr>
+      </p:pic>
+      <p:pic>
+        <p:nvPicPr>
+          <p:cNvPr id="13" name="图片 12">
+            <a:extLst>
+              <a:ext uri="{FF2B5EF4-FFF2-40B4-BE49-F238E27FC236}">
+                <a16:creationId xmlns:a16="http://schemas.microsoft.com/office/drawing/2014/main" id="{FCFE4259-F17D-4A35-AF42-AF92EB26FCD4}"/>
+              </a:ext>
+            </a:extLst>
+          </p:cNvPr>
+          <p:cNvPicPr>
+            <a:picLocks noChangeAspect="1"/>
+          </p:cNvPicPr>
+          <p:nvPr/>
+        </p:nvPicPr>
+        <p:blipFill>
+          <a:blip r:embed="rId6"/>
+          <a:stretch>
+            <a:fillRect/>
+          </a:stretch>
+        </p:blipFill>
+        <p:spPr>
+          <a:xfrm>
+            <a:off x="5710237" y="5414150"/>
+            <a:ext cx="2600325" cy="771525"/>
+          </a:xfrm>
+          <a:prstGeom prst="rect">
+            <a:avLst/>
+          </a:prstGeom>
+        </p:spPr>
+      </p:pic>
+    </p:spTree>
+    <p:extLst>
+      <p:ext uri="{BB962C8B-B14F-4D97-AF65-F5344CB8AC3E}">
+        <p14:creationId xmlns:p14="http://schemas.microsoft.com/office/powerpoint/2010/main" val="606101462"/>
       </p:ext>
     </p:extLst>
   </p:cSld>
